--- a/Session1/Session1-workshop.pptx
+++ b/Session1/Session1-workshop.pptx
@@ -6500,14 +6500,14 @@
           </a:ln>
           <a:extLst>
             <a:ext uri="{909E8E84-426E-40dd-AFC4-6F175D3DCCD1}">
-              <a14:hiddenFill xmlns="" xmlns:a14="http://schemas.microsoft.com/office/drawing/2010/main">
+              <a14:hiddenFill xmlns:a14="http://schemas.microsoft.com/office/drawing/2010/main" xmlns="">
                 <a:solidFill>
                   <a:srgbClr val="FFFFFF"/>
                 </a:solidFill>
               </a14:hiddenFill>
             </a:ext>
             <a:ext uri="{91240B29-F687-4f45-9708-019B960494DF}">
-              <a14:hiddenLine xmlns="" xmlns:a14="http://schemas.microsoft.com/office/drawing/2010/main" w="9525">
+              <a14:hiddenLine xmlns:a14="http://schemas.microsoft.com/office/drawing/2010/main" xmlns="" w="9525">
                 <a:solidFill>
                   <a:srgbClr val="000000"/>
                 </a:solidFill>
@@ -6679,14 +6679,14 @@
           </a:ln>
           <a:extLst>
             <a:ext uri="{909E8E84-426E-40dd-AFC4-6F175D3DCCD1}">
-              <a14:hiddenFill xmlns="" xmlns:a14="http://schemas.microsoft.com/office/drawing/2010/main">
+              <a14:hiddenFill xmlns:a14="http://schemas.microsoft.com/office/drawing/2010/main" xmlns="">
                 <a:solidFill>
                   <a:srgbClr val="FFFFFF"/>
                 </a:solidFill>
               </a14:hiddenFill>
             </a:ext>
             <a:ext uri="{91240B29-F687-4f45-9708-019B960494DF}">
-              <a14:hiddenLine xmlns="" xmlns:a14="http://schemas.microsoft.com/office/drawing/2010/main" w="9525">
+              <a14:hiddenLine xmlns:a14="http://schemas.microsoft.com/office/drawing/2010/main" xmlns="" w="9525">
                 <a:solidFill>
                   <a:srgbClr val="000000"/>
                 </a:solidFill>
@@ -6848,14 +6848,14 @@
           </a:ln>
           <a:extLst>
             <a:ext uri="{909E8E84-426E-40dd-AFC4-6F175D3DCCD1}">
-              <a14:hiddenFill xmlns="" xmlns:a14="http://schemas.microsoft.com/office/drawing/2010/main">
+              <a14:hiddenFill xmlns:a14="http://schemas.microsoft.com/office/drawing/2010/main" xmlns="">
                 <a:solidFill>
                   <a:srgbClr val="FFFFFF"/>
                 </a:solidFill>
               </a14:hiddenFill>
             </a:ext>
             <a:ext uri="{91240B29-F687-4f45-9708-019B960494DF}">
-              <a14:hiddenLine xmlns="" xmlns:a14="http://schemas.microsoft.com/office/drawing/2010/main" w="9525">
+              <a14:hiddenLine xmlns:a14="http://schemas.microsoft.com/office/drawing/2010/main" xmlns="" w="9525">
                 <a:solidFill>
                   <a:srgbClr val="000000"/>
                 </a:solidFill>
@@ -18155,7 +18155,7 @@
           <a:p>
             <a:r>
               <a:rPr lang="en-GB" sz="3600" dirty="0"/>
-              <a:t>Connecting (</a:t>
+              <a:t>Optional: Connecting (</a:t>
             </a:r>
             <a:r>
               <a:rPr lang="en-GB" sz="3600" dirty="0" err="1"/>
@@ -21251,14 +21251,14 @@
           </a:effectLst>
           <a:extLst>
             <a:ext uri="{909E8E84-426E-40dd-AFC4-6F175D3DCCD1}">
-              <a14:hiddenFill xmlns="" xmlns:a14="http://schemas.microsoft.com/office/drawing/2010/main">
+              <a14:hiddenFill xmlns:a14="http://schemas.microsoft.com/office/drawing/2010/main" xmlns="">
                 <a:solidFill>
                   <a:srgbClr val="FFFFFF"/>
                 </a:solidFill>
               </a14:hiddenFill>
             </a:ext>
             <a:ext uri="{91240B29-F687-4f45-9708-019B960494DF}">
-              <a14:hiddenLine xmlns="" xmlns:a14="http://schemas.microsoft.com/office/drawing/2010/main" w="9525">
+              <a14:hiddenLine xmlns:a14="http://schemas.microsoft.com/office/drawing/2010/main" xmlns="" w="9525">
                 <a:solidFill>
                   <a:srgbClr val="000000"/>
                 </a:solidFill>
